--- a/KylinMeetupMadrid/Apache Kylin Intro - Alb.pptx
+++ b/KylinMeetupMadrid/Apache Kylin Intro - Alb.pptx
@@ -759,11 +759,11 @@
         </c:dLbls>
         <c:gapWidth val="219"/>
         <c:overlap val="-27"/>
-        <c:axId val="157570176"/>
-        <c:axId val="157570568"/>
+        <c:axId val="170021504"/>
+        <c:axId val="170022064"/>
       </c:barChart>
       <c:catAx>
-        <c:axId val="157570176"/>
+        <c:axId val="170021504"/>
         <c:scaling>
           <c:orientation val="minMax"/>
         </c:scaling>
@@ -806,7 +806,7 @@
             <a:endParaRPr lang="en-US"/>
           </a:p>
         </c:txPr>
-        <c:crossAx val="157570568"/>
+        <c:crossAx val="170022064"/>
         <c:crosses val="autoZero"/>
         <c:auto val="1"/>
         <c:lblAlgn val="ctr"/>
@@ -814,7 +814,7 @@
         <c:noMultiLvlLbl val="0"/>
       </c:catAx>
       <c:valAx>
-        <c:axId val="157570568"/>
+        <c:axId val="170022064"/>
         <c:scaling>
           <c:orientation val="minMax"/>
           <c:max val="50"/>
@@ -866,7 +866,7 @@
             <a:endParaRPr lang="en-US"/>
           </a:p>
         </c:txPr>
-        <c:crossAx val="157570176"/>
+        <c:crossAx val="170021504"/>
         <c:crosses val="autoZero"/>
         <c:crossBetween val="between"/>
       </c:valAx>
@@ -1562,7 +1562,7 @@
           <a:p>
             <a:fld id="{AEC022BB-B5CD-4154-B8B5-AF051300B0E5}" type="datetimeFigureOut">
               <a:rPr lang="en-US" smtClean="0"/>
-              <a:t>6/12/2017</a:t>
+              <a:t>6/14/2017</a:t>
             </a:fld>
             <a:endParaRPr lang="en-US"/>
           </a:p>
@@ -1727,7 +1727,7 @@
           <a:p>
             <a:fld id="{E0FCF582-8D86-4A18-8413-2804393B1FFC}" type="datetimeFigureOut">
               <a:rPr lang="en-US" smtClean="0"/>
-              <a:t>6/12/2017</a:t>
+              <a:t>6/14/2017</a:t>
             </a:fld>
             <a:endParaRPr lang="en-US"/>
           </a:p>
@@ -2601,7 +2601,7 @@
       </p:grpSpPr>
       <p:sp>
         <p:nvSpPr>
-          <p:cNvPr id="2" name="Slide Image Placeholder 1"/>
+          <p:cNvPr id="2" name="Marcador de imagen de diapositiva 1"/>
           <p:cNvSpPr>
             <a:spLocks noGrp="1" noRot="1" noChangeAspect="1"/>
           </p:cNvSpPr>
@@ -2613,7 +2613,7 @@
       </p:sp>
       <p:sp>
         <p:nvSpPr>
-          <p:cNvPr id="3" name="Notes Placeholder 2"/>
+          <p:cNvPr id="3" name="Marcador de notas 2"/>
           <p:cNvSpPr>
             <a:spLocks noGrp="1"/>
           </p:cNvSpPr>
@@ -2627,159 +2627,115 @@
           <a:lstStyle/>
           <a:p>
             <a:r>
-              <a:rPr lang="en-US" baseline="0" dirty="0"/>
-              <a:t>A High Level Architecture for </a:t>
-            </a:r>
-            <a:r>
-              <a:rPr lang="en-US" baseline="0" dirty="0" err="1"/>
-              <a:t>Kylin</a:t>
-            </a:r>
-            <a:r>
-              <a:rPr lang="en-US" baseline="0" dirty="0"/>
-              <a:t> which is a Standard MOLAP Architecture built on Hadoop. </a:t>
-            </a:r>
-          </a:p>
-          <a:p>
-            <a:endParaRPr lang="en-US" baseline="0" dirty="0"/>
-          </a:p>
-          <a:p>
-            <a:pPr marL="171450" indent="-171450">
-              <a:buFontTx/>
-              <a:buChar char="-"/>
-            </a:pPr>
-            <a:r>
-              <a:rPr lang="en-US" baseline="0" dirty="0"/>
-              <a:t>Data Sources to build your MOLAP Cubes primarily Hive, We have a fantastic project in the works for a Storage Abstraction Layer and support other </a:t>
-            </a:r>
-            <a:r>
-              <a:rPr lang="en-US" baseline="0" dirty="0" err="1"/>
-              <a:t>NoSQL</a:t>
-            </a:r>
-            <a:r>
-              <a:rPr lang="en-US" baseline="0" dirty="0"/>
-              <a:t> Stores such as Cassandra/</a:t>
-            </a:r>
-            <a:r>
-              <a:rPr lang="en-US" baseline="0" dirty="0" err="1"/>
-              <a:t>CouchBase</a:t>
-            </a:r>
-            <a:r>
-              <a:rPr lang="en-US" baseline="0" dirty="0"/>
-              <a:t>. </a:t>
-            </a:r>
-          </a:p>
-          <a:p>
-            <a:pPr marL="171450" indent="-171450">
-              <a:buFontTx/>
-              <a:buChar char="-"/>
-            </a:pPr>
-            <a:r>
-              <a:rPr lang="en-US" baseline="0" dirty="0"/>
-              <a:t>An Engine Abstraction which maintains the Cube Metadata and a Cube Builder. Today a set of Map Reduce Jobs to build the cubes. </a:t>
-            </a:r>
-          </a:p>
-          <a:p>
-            <a:pPr marL="171450" indent="-171450">
-              <a:buFontTx/>
-              <a:buChar char="-"/>
-            </a:pPr>
-            <a:r>
-              <a:rPr lang="en-US" baseline="0" dirty="0"/>
-              <a:t>A storage layer to store the Cubes in </a:t>
-            </a:r>
-            <a:r>
-              <a:rPr lang="en-US" baseline="0" dirty="0" err="1"/>
-              <a:t>Hbase</a:t>
-            </a:r>
-            <a:r>
-              <a:rPr lang="en-US" baseline="0" dirty="0"/>
-              <a:t>, primarily through a Bulk Load of the </a:t>
-            </a:r>
-            <a:r>
-              <a:rPr lang="en-US" baseline="0" dirty="0" err="1"/>
-              <a:t>aggregrates</a:t>
-            </a:r>
-            <a:r>
-              <a:rPr lang="en-US" baseline="0" dirty="0"/>
-              <a:t> into </a:t>
-            </a:r>
-            <a:r>
-              <a:rPr lang="en-US" baseline="0" dirty="0" err="1"/>
-              <a:t>Hbase</a:t>
-            </a:r>
-            <a:r>
-              <a:rPr lang="en-US" baseline="0" dirty="0"/>
-              <a:t>. </a:t>
-            </a:r>
-          </a:p>
-          <a:p>
-            <a:pPr marL="0" indent="0">
-              <a:buFontTx/>
-              <a:buNone/>
-            </a:pPr>
-            <a:endParaRPr lang="en-US" baseline="0" dirty="0"/>
-          </a:p>
-          <a:p>
-            <a:pPr marL="0" indent="0">
-              <a:buFontTx/>
-              <a:buNone/>
-            </a:pPr>
-            <a:r>
-              <a:rPr lang="en-US" baseline="0" dirty="0"/>
-              <a:t>We are looking for active community participation to build out additional Data Source, Engine and Storage plugins into </a:t>
-            </a:r>
-            <a:r>
-              <a:rPr lang="en-US" baseline="0" dirty="0" err="1"/>
-              <a:t>Kylin</a:t>
-            </a:r>
-            <a:r>
-              <a:rPr lang="en-US" baseline="0" dirty="0"/>
-              <a:t>. </a:t>
-            </a:r>
-          </a:p>
-          <a:p>
-            <a:pPr marL="0" indent="0">
-              <a:buFontTx/>
-              <a:buNone/>
-            </a:pPr>
-            <a:endParaRPr lang="en-US" baseline="0" dirty="0"/>
-          </a:p>
-          <a:p>
-            <a:pPr marL="0" indent="0">
-              <a:buFontTx/>
-              <a:buNone/>
-            </a:pPr>
-            <a:r>
-              <a:rPr lang="en-US" baseline="0" dirty="0"/>
-              <a:t>A Query Engine that directly index into the multi-dimensional arrays built into </a:t>
-            </a:r>
-            <a:r>
-              <a:rPr lang="en-US" baseline="0" dirty="0" err="1"/>
-              <a:t>Hbase</a:t>
-            </a:r>
-            <a:r>
-              <a:rPr lang="en-US" baseline="0" dirty="0"/>
-              <a:t>. </a:t>
-            </a:r>
-          </a:p>
-          <a:p>
-            <a:pPr marL="0" indent="0">
-              <a:buFontTx/>
-              <a:buNone/>
-            </a:pPr>
-            <a:endParaRPr lang="en-US" baseline="0" dirty="0"/>
-          </a:p>
-          <a:p>
-            <a:endParaRPr lang="en-US" baseline="0" dirty="0"/>
-          </a:p>
-          <a:p>
+              <a:rPr lang="en-US" dirty="0" err="1" smtClean="0"/>
+              <a:t>Leemos</a:t>
+            </a:r>
+            <a:r>
+              <a:rPr lang="en-US" dirty="0" smtClean="0"/>
+              <a:t> un </a:t>
+            </a:r>
+            <a:r>
+              <a:rPr lang="en-US" dirty="0" err="1" smtClean="0"/>
+              <a:t>Int</a:t>
+            </a:r>
+            <a:endParaRPr lang="en-US" dirty="0" smtClean="0"/>
+          </a:p>
+          <a:p>
+            <a:r>
+              <a:rPr lang="en-US" dirty="0" err="1" smtClean="0"/>
+              <a:t>Leemos</a:t>
+            </a:r>
+            <a:r>
+              <a:rPr lang="en-US" dirty="0" smtClean="0"/>
+              <a:t> dos </a:t>
+            </a:r>
+            <a:r>
+              <a:rPr lang="en-US" dirty="0" err="1" smtClean="0"/>
+              <a:t>Int</a:t>
+            </a:r>
+            <a:r>
+              <a:rPr lang="en-US" dirty="0" smtClean="0"/>
+              <a:t> </a:t>
+            </a:r>
+            <a:r>
+              <a:rPr lang="en-US" dirty="0" smtClean="0">
+                <a:sym typeface="Wingdings" panose="05000000000000000000" pitchFamily="2" charset="2"/>
+              </a:rPr>
+              <a:t> </a:t>
+            </a:r>
+            <a:r>
+              <a:rPr lang="en-US" dirty="0" err="1" smtClean="0">
+                <a:sym typeface="Wingdings" panose="05000000000000000000" pitchFamily="2" charset="2"/>
+              </a:rPr>
+              <a:t>Secuencial</a:t>
+            </a:r>
+            <a:r>
+              <a:rPr lang="en-US" dirty="0" smtClean="0">
+                <a:sym typeface="Wingdings" panose="05000000000000000000" pitchFamily="2" charset="2"/>
+              </a:rPr>
+              <a:t>  </a:t>
+            </a:r>
+            <a:r>
+              <a:rPr lang="en-US" dirty="0" err="1" smtClean="0">
+                <a:sym typeface="Wingdings" panose="05000000000000000000" pitchFamily="2" charset="2"/>
+              </a:rPr>
+              <a:t>tiempo</a:t>
+            </a:r>
+            <a:r>
+              <a:rPr lang="en-US" dirty="0" smtClean="0">
+                <a:sym typeface="Wingdings" panose="05000000000000000000" pitchFamily="2" charset="2"/>
+              </a:rPr>
+              <a:t> de </a:t>
+            </a:r>
+            <a:r>
+              <a:rPr lang="en-US" dirty="0" err="1" smtClean="0">
+                <a:sym typeface="Wingdings" panose="05000000000000000000" pitchFamily="2" charset="2"/>
+              </a:rPr>
+              <a:t>resputes</a:t>
+            </a:r>
+            <a:r>
+              <a:rPr lang="en-US" dirty="0" smtClean="0">
+                <a:sym typeface="Wingdings" panose="05000000000000000000" pitchFamily="2" charset="2"/>
+              </a:rPr>
+              <a:t> </a:t>
+            </a:r>
+            <a:r>
+              <a:rPr lang="en-US" dirty="0" err="1" smtClean="0">
+                <a:sym typeface="Wingdings" panose="05000000000000000000" pitchFamily="2" charset="2"/>
+              </a:rPr>
+              <a:t>va</a:t>
+            </a:r>
+            <a:r>
+              <a:rPr lang="en-US" dirty="0" smtClean="0">
+                <a:sym typeface="Wingdings" panose="05000000000000000000" pitchFamily="2" charset="2"/>
+              </a:rPr>
+              <a:t> a </a:t>
+            </a:r>
+            <a:r>
+              <a:rPr lang="en-US" dirty="0" err="1" smtClean="0">
+                <a:sym typeface="Wingdings" panose="05000000000000000000" pitchFamily="2" charset="2"/>
+              </a:rPr>
+              <a:t>ser</a:t>
+            </a:r>
+            <a:r>
+              <a:rPr lang="en-US" dirty="0" smtClean="0">
+                <a:sym typeface="Wingdings" panose="05000000000000000000" pitchFamily="2" charset="2"/>
+              </a:rPr>
+              <a:t> el </a:t>
+            </a:r>
+            <a:r>
+              <a:rPr lang="en-US" dirty="0" err="1" smtClean="0">
+                <a:sym typeface="Wingdings" panose="05000000000000000000" pitchFamily="2" charset="2"/>
+              </a:rPr>
+              <a:t>mismo</a:t>
+            </a:r>
             <a:endParaRPr lang="en-US" dirty="0"/>
           </a:p>
         </p:txBody>
       </p:sp>
       <p:sp>
         <p:nvSpPr>
-          <p:cNvPr id="4" name="Slide Number Placeholder 3"/>
+          <p:cNvPr id="4" name="Marcador de número de diapositiva 3"/>
           <p:cNvSpPr>
             <a:spLocks noGrp="1"/>
           </p:cNvSpPr>
@@ -2792,18 +2748,18 @@
           <a:bodyPr/>
           <a:lstStyle/>
           <a:p>
-            <a:fld id="{1D66D143-6DD5-4F10-BCBA-45D95521F2B5}" type="slidenum">
-              <a:rPr lang="zh-CN" altLang="en-US" smtClean="0"/>
-              <a:t>7</a:t>
+            <a:fld id="{38D4E298-9D69-489F-BB10-09F846943C05}" type="slidenum">
+              <a:rPr lang="en-US" smtClean="0"/>
+              <a:t>5</a:t>
             </a:fld>
-            <a:endParaRPr lang="zh-CN" altLang="en-US"/>
+            <a:endParaRPr lang="en-US"/>
           </a:p>
         </p:txBody>
       </p:sp>
     </p:spTree>
     <p:extLst>
       <p:ext uri="{BB962C8B-B14F-4D97-AF65-F5344CB8AC3E}">
-        <p14:creationId xmlns:p14="http://schemas.microsoft.com/office/powerpoint/2010/main" val="409872501"/>
+        <p14:creationId xmlns:p14="http://schemas.microsoft.com/office/powerpoint/2010/main" val="3979726203"/>
       </p:ext>
     </p:extLst>
   </p:cSld>
@@ -2857,6 +2813,464 @@
           <a:bodyPr/>
           <a:lstStyle/>
           <a:p>
+            <a:r>
+              <a:rPr lang="en-US" dirty="0" smtClean="0"/>
+              <a:t>Si </a:t>
+            </a:r>
+            <a:r>
+              <a:rPr lang="en-US" dirty="0" err="1" smtClean="0"/>
+              <a:t>nos</a:t>
+            </a:r>
+            <a:r>
+              <a:rPr lang="en-US" baseline="0" dirty="0" smtClean="0"/>
+              <a:t> </a:t>
+            </a:r>
+            <a:r>
+              <a:rPr lang="en-US" baseline="0" dirty="0" err="1" smtClean="0"/>
+              <a:t>preguntan</a:t>
+            </a:r>
+            <a:r>
+              <a:rPr lang="en-US" baseline="0" dirty="0" smtClean="0"/>
+              <a:t> </a:t>
+            </a:r>
+            <a:r>
+              <a:rPr lang="en-US" baseline="0" dirty="0" err="1" smtClean="0"/>
+              <a:t>cuanto</a:t>
+            </a:r>
+            <a:r>
+              <a:rPr lang="en-US" baseline="0" dirty="0" smtClean="0"/>
+              <a:t> </a:t>
+            </a:r>
+            <a:r>
+              <a:rPr lang="en-US" baseline="0" dirty="0" err="1" smtClean="0"/>
+              <a:t>hemos</a:t>
+            </a:r>
+            <a:r>
+              <a:rPr lang="en-US" baseline="0" dirty="0" smtClean="0"/>
+              <a:t> </a:t>
+            </a:r>
+            <a:r>
+              <a:rPr lang="en-US" baseline="0" dirty="0" err="1" smtClean="0"/>
+              <a:t>vendio</a:t>
+            </a:r>
+            <a:r>
+              <a:rPr lang="en-US" baseline="0" dirty="0" smtClean="0"/>
+              <a:t> </a:t>
+            </a:r>
+            <a:r>
+              <a:rPr lang="en-US" baseline="0" dirty="0" err="1" smtClean="0"/>
+              <a:t>desde</a:t>
+            </a:r>
+            <a:r>
+              <a:rPr lang="en-US" baseline="0" dirty="0" smtClean="0"/>
+              <a:t> </a:t>
+            </a:r>
+            <a:r>
+              <a:rPr lang="en-US" baseline="0" dirty="0" err="1" smtClean="0"/>
+              <a:t>una</a:t>
+            </a:r>
+            <a:r>
+              <a:rPr lang="en-US" baseline="0" dirty="0" smtClean="0"/>
+              <a:t> </a:t>
+            </a:r>
+            <a:r>
+              <a:rPr lang="en-US" baseline="0" dirty="0" err="1" smtClean="0"/>
+              <a:t>fecha</a:t>
+            </a:r>
+            <a:endParaRPr lang="en-US" baseline="0" dirty="0" smtClean="0"/>
+          </a:p>
+          <a:p>
+            <a:endParaRPr lang="en-US" baseline="0" dirty="0" smtClean="0"/>
+          </a:p>
+          <a:p>
+            <a:r>
+              <a:rPr lang="en-US" baseline="0" dirty="0" smtClean="0"/>
+              <a:t>Si </a:t>
+            </a:r>
+            <a:r>
+              <a:rPr lang="en-US" baseline="0" dirty="0" err="1" smtClean="0"/>
+              <a:t>te</a:t>
+            </a:r>
+            <a:r>
+              <a:rPr lang="en-US" baseline="0" dirty="0" smtClean="0"/>
+              <a:t> </a:t>
+            </a:r>
+            <a:r>
+              <a:rPr lang="en-US" baseline="0" dirty="0" err="1" smtClean="0"/>
+              <a:t>preguntan</a:t>
+            </a:r>
+            <a:r>
+              <a:rPr lang="en-US" baseline="0" dirty="0" smtClean="0"/>
+              <a:t>: 1 </a:t>
+            </a:r>
+            <a:r>
+              <a:rPr lang="en-US" baseline="0" dirty="0" err="1" smtClean="0"/>
+              <a:t>Millon</a:t>
+            </a:r>
+            <a:r>
+              <a:rPr lang="en-US" baseline="0" dirty="0" smtClean="0"/>
+              <a:t> </a:t>
+            </a:r>
+            <a:r>
+              <a:rPr lang="en-US" baseline="0" dirty="0" err="1" smtClean="0"/>
+              <a:t>por</a:t>
+            </a:r>
+            <a:r>
+              <a:rPr lang="en-US" baseline="0" dirty="0" smtClean="0"/>
+              <a:t> </a:t>
+            </a:r>
+            <a:r>
+              <a:rPr lang="en-US" baseline="0" dirty="0" err="1" smtClean="0"/>
+              <a:t>dia</a:t>
+            </a:r>
+            <a:r>
+              <a:rPr lang="en-US" baseline="0" dirty="0" smtClean="0"/>
+              <a:t> </a:t>
+            </a:r>
+            <a:r>
+              <a:rPr lang="en-US" baseline="0" dirty="0" err="1" smtClean="0"/>
+              <a:t>por</a:t>
+            </a:r>
+            <a:r>
+              <a:rPr lang="en-US" baseline="0" dirty="0" smtClean="0"/>
+              <a:t> </a:t>
+            </a:r>
+            <a:r>
+              <a:rPr lang="en-US" baseline="0" dirty="0" err="1" smtClean="0"/>
+              <a:t>tienda</a:t>
+            </a:r>
+            <a:endParaRPr lang="en-US" baseline="0" dirty="0" smtClean="0"/>
+          </a:p>
+          <a:p>
+            <a:pPr marL="171450" indent="-171450">
+              <a:buFont typeface="Arial" panose="020B0604020202020204" pitchFamily="34" charset="0"/>
+              <a:buChar char="•"/>
+            </a:pPr>
+            <a:r>
+              <a:rPr lang="en-US" baseline="0" dirty="0" err="1" smtClean="0"/>
+              <a:t>ventas</a:t>
+            </a:r>
+            <a:r>
+              <a:rPr lang="en-US" baseline="0" dirty="0" smtClean="0"/>
+              <a:t> de </a:t>
+            </a:r>
+            <a:r>
+              <a:rPr lang="en-US" baseline="0" dirty="0" err="1" smtClean="0"/>
+              <a:t>esta</a:t>
+            </a:r>
+            <a:r>
+              <a:rPr lang="en-US" baseline="0" dirty="0" smtClean="0"/>
+              <a:t>  </a:t>
+            </a:r>
+            <a:r>
+              <a:rPr lang="en-US" baseline="0" dirty="0" err="1" smtClean="0"/>
+              <a:t>tienda</a:t>
+            </a:r>
+            <a:r>
+              <a:rPr lang="en-US" baseline="0" dirty="0" smtClean="0"/>
+              <a:t> en 2 </a:t>
+            </a:r>
+            <a:r>
+              <a:rPr lang="en-US" baseline="0" dirty="0" err="1" smtClean="0"/>
+              <a:t>dias</a:t>
+            </a:r>
+            <a:r>
+              <a:rPr lang="en-US" baseline="0" dirty="0" smtClean="0"/>
+              <a:t>:  1 </a:t>
+            </a:r>
+            <a:r>
+              <a:rPr lang="en-US" baseline="0" dirty="0" err="1" smtClean="0"/>
+              <a:t>seg</a:t>
+            </a:r>
+            <a:r>
+              <a:rPr lang="en-US" baseline="0" dirty="0" smtClean="0"/>
+              <a:t> </a:t>
+            </a:r>
+            <a:r>
+              <a:rPr lang="en-US" baseline="0" dirty="0" err="1" smtClean="0"/>
+              <a:t>vs</a:t>
+            </a:r>
+            <a:r>
+              <a:rPr lang="en-US" baseline="0" dirty="0" smtClean="0"/>
+              <a:t> 2 min</a:t>
+            </a:r>
+          </a:p>
+          <a:p>
+            <a:pPr marL="171450" marR="0" indent="-171450" algn="l" defTabSz="914400" rtl="0" eaLnBrk="1" fontAlgn="auto" latinLnBrk="0" hangingPunct="1">
+              <a:lnSpc>
+                <a:spcPct val="100000"/>
+              </a:lnSpc>
+              <a:spcBef>
+                <a:spcPts val="0"/>
+              </a:spcBef>
+              <a:spcAft>
+                <a:spcPts val="0"/>
+              </a:spcAft>
+              <a:buClrTx/>
+              <a:buSzTx/>
+              <a:buFont typeface="Arial" panose="020B0604020202020204" pitchFamily="34" charset="0"/>
+              <a:buChar char="•"/>
+              <a:tabLst/>
+              <a:defRPr/>
+            </a:pPr>
+            <a:r>
+              <a:rPr lang="en-US" baseline="0" dirty="0" err="1" smtClean="0"/>
+              <a:t>ventas</a:t>
+            </a:r>
+            <a:r>
+              <a:rPr lang="en-US" baseline="0" dirty="0" smtClean="0"/>
+              <a:t> de </a:t>
+            </a:r>
+            <a:r>
+              <a:rPr lang="en-US" baseline="0" dirty="0" err="1" smtClean="0"/>
+              <a:t>esta</a:t>
+            </a:r>
+            <a:r>
+              <a:rPr lang="en-US" baseline="0" dirty="0" smtClean="0"/>
+              <a:t>  </a:t>
+            </a:r>
+            <a:r>
+              <a:rPr lang="en-US" baseline="0" dirty="0" err="1" smtClean="0"/>
+              <a:t>tienda</a:t>
+            </a:r>
+            <a:r>
+              <a:rPr lang="en-US" baseline="0" dirty="0" smtClean="0"/>
+              <a:t> en 10  </a:t>
+            </a:r>
+            <a:r>
+              <a:rPr lang="en-US" baseline="0" dirty="0" err="1" smtClean="0"/>
+              <a:t>dias</a:t>
+            </a:r>
+            <a:r>
+              <a:rPr lang="en-US" baseline="0" dirty="0" smtClean="0"/>
+              <a:t>: 1 </a:t>
+            </a:r>
+            <a:r>
+              <a:rPr lang="en-US" baseline="0" dirty="0" err="1" smtClean="0"/>
+              <a:t>seg</a:t>
+            </a:r>
+            <a:r>
+              <a:rPr lang="en-US" baseline="0" dirty="0" smtClean="0"/>
+              <a:t> </a:t>
+            </a:r>
+            <a:r>
+              <a:rPr lang="en-US" baseline="0" dirty="0" err="1" smtClean="0"/>
+              <a:t>vs</a:t>
+            </a:r>
+            <a:r>
+              <a:rPr lang="en-US" baseline="0" dirty="0" smtClean="0"/>
+              <a:t> 20 min</a:t>
+            </a:r>
+          </a:p>
+          <a:p>
+            <a:pPr marL="171450" marR="0" indent="-171450" algn="l" defTabSz="914400" rtl="0" eaLnBrk="1" fontAlgn="auto" latinLnBrk="0" hangingPunct="1">
+              <a:lnSpc>
+                <a:spcPct val="100000"/>
+              </a:lnSpc>
+              <a:spcBef>
+                <a:spcPts val="0"/>
+              </a:spcBef>
+              <a:spcAft>
+                <a:spcPts val="0"/>
+              </a:spcAft>
+              <a:buClrTx/>
+              <a:buSzTx/>
+              <a:buFont typeface="Arial" panose="020B0604020202020204" pitchFamily="34" charset="0"/>
+              <a:buChar char="•"/>
+              <a:tabLst/>
+              <a:defRPr/>
+            </a:pPr>
+            <a:endParaRPr lang="en-US" baseline="0" dirty="0" smtClean="0"/>
+          </a:p>
+          <a:p>
+            <a:pPr marL="171450" marR="0" indent="-171450" algn="l" defTabSz="914400" rtl="0" eaLnBrk="1" fontAlgn="auto" latinLnBrk="0" hangingPunct="1">
+              <a:lnSpc>
+                <a:spcPct val="100000"/>
+              </a:lnSpc>
+              <a:spcBef>
+                <a:spcPts val="0"/>
+              </a:spcBef>
+              <a:spcAft>
+                <a:spcPts val="0"/>
+              </a:spcAft>
+              <a:buClrTx/>
+              <a:buSzTx/>
+              <a:buFont typeface="Arial" panose="020B0604020202020204" pitchFamily="34" charset="0"/>
+              <a:buChar char="•"/>
+              <a:tabLst/>
+              <a:defRPr/>
+            </a:pPr>
+            <a:r>
+              <a:rPr lang="en-US" baseline="0" dirty="0" err="1" smtClean="0"/>
+              <a:t>Problemas</a:t>
+            </a:r>
+            <a:r>
+              <a:rPr lang="en-US" baseline="0" dirty="0" smtClean="0"/>
+              <a:t> de </a:t>
+            </a:r>
+            <a:r>
+              <a:rPr lang="en-US" baseline="0" dirty="0" err="1" smtClean="0"/>
+              <a:t>escalabilidad</a:t>
+            </a:r>
+            <a:r>
+              <a:rPr lang="en-US" baseline="0" dirty="0" smtClean="0"/>
+              <a:t> y de </a:t>
+            </a:r>
+            <a:r>
+              <a:rPr lang="en-US" baseline="0" dirty="0" err="1" smtClean="0"/>
+              <a:t>recursos</a:t>
+            </a:r>
+            <a:endParaRPr lang="en-US" baseline="0" dirty="0" smtClean="0"/>
+          </a:p>
+          <a:p>
+            <a:pPr marL="171450" marR="0" indent="-171450" algn="l" defTabSz="914400" rtl="0" eaLnBrk="1" fontAlgn="auto" latinLnBrk="0" hangingPunct="1">
+              <a:lnSpc>
+                <a:spcPct val="100000"/>
+              </a:lnSpc>
+              <a:spcBef>
+                <a:spcPts val="0"/>
+              </a:spcBef>
+              <a:spcAft>
+                <a:spcPts val="0"/>
+              </a:spcAft>
+              <a:buClrTx/>
+              <a:buSzTx/>
+              <a:buFont typeface="Arial" panose="020B0604020202020204" pitchFamily="34" charset="0"/>
+              <a:buChar char="•"/>
+              <a:tabLst/>
+              <a:defRPr/>
+            </a:pPr>
+            <a:endParaRPr lang="en-US" baseline="0" dirty="0" smtClean="0"/>
+          </a:p>
+          <a:p>
+            <a:pPr marL="171450" marR="0" indent="-171450" algn="l" defTabSz="914400" rtl="0" eaLnBrk="1" fontAlgn="auto" latinLnBrk="0" hangingPunct="1">
+              <a:lnSpc>
+                <a:spcPct val="100000"/>
+              </a:lnSpc>
+              <a:spcBef>
+                <a:spcPts val="0"/>
+              </a:spcBef>
+              <a:spcAft>
+                <a:spcPts val="0"/>
+              </a:spcAft>
+              <a:buClrTx/>
+              <a:buSzTx/>
+              <a:buFont typeface="Arial" panose="020B0604020202020204" pitchFamily="34" charset="0"/>
+              <a:buChar char="•"/>
+              <a:tabLst/>
+              <a:defRPr/>
+            </a:pPr>
+            <a:endParaRPr lang="en-US" baseline="0" dirty="0" smtClean="0"/>
+          </a:p>
+          <a:p>
+            <a:pPr marL="171450" marR="0" indent="-171450" algn="l" defTabSz="914400" rtl="0" eaLnBrk="1" fontAlgn="auto" latinLnBrk="0" hangingPunct="1">
+              <a:lnSpc>
+                <a:spcPct val="100000"/>
+              </a:lnSpc>
+              <a:spcBef>
+                <a:spcPts val="0"/>
+              </a:spcBef>
+              <a:spcAft>
+                <a:spcPts val="0"/>
+              </a:spcAft>
+              <a:buClrTx/>
+              <a:buSzTx/>
+              <a:buFont typeface="Arial" panose="020B0604020202020204" pitchFamily="34" charset="0"/>
+              <a:buChar char="•"/>
+              <a:tabLst/>
+              <a:defRPr/>
+            </a:pPr>
+            <a:r>
+              <a:rPr lang="en-US" baseline="0" dirty="0" smtClean="0"/>
+              <a:t>DEMO 1: (analyst / analyst) y </a:t>
+            </a:r>
+            <a:r>
+              <a:rPr lang="en-US" baseline="0" dirty="0" err="1" smtClean="0"/>
+              <a:t>probar</a:t>
+            </a:r>
+            <a:r>
+              <a:rPr lang="en-US" baseline="0" dirty="0" smtClean="0"/>
+              <a:t> con el Puerto 7070</a:t>
+            </a:r>
+          </a:p>
+          <a:p>
+            <a:pPr marL="171450" marR="0" indent="-171450" algn="l" defTabSz="914400" rtl="0" eaLnBrk="1" fontAlgn="auto" latinLnBrk="0" hangingPunct="1">
+              <a:lnSpc>
+                <a:spcPct val="100000"/>
+              </a:lnSpc>
+              <a:spcBef>
+                <a:spcPts val="0"/>
+              </a:spcBef>
+              <a:spcAft>
+                <a:spcPts val="0"/>
+              </a:spcAft>
+              <a:buClrTx/>
+              <a:buSzTx/>
+              <a:buFont typeface="Arial" panose="020B0604020202020204" pitchFamily="34" charset="0"/>
+              <a:buChar char="•"/>
+              <a:tabLst/>
+              <a:defRPr/>
+            </a:pPr>
+            <a:endParaRPr lang="en-US" baseline="0" dirty="0" smtClean="0"/>
+          </a:p>
+          <a:p>
+            <a:pPr marL="628650" marR="0" lvl="1" indent="-171450" algn="l" defTabSz="914400" rtl="0" eaLnBrk="1" fontAlgn="auto" latinLnBrk="0" hangingPunct="1">
+              <a:lnSpc>
+                <a:spcPct val="100000"/>
+              </a:lnSpc>
+              <a:spcBef>
+                <a:spcPts val="0"/>
+              </a:spcBef>
+              <a:spcAft>
+                <a:spcPts val="0"/>
+              </a:spcAft>
+              <a:buClrTx/>
+              <a:buSzTx/>
+              <a:buFont typeface="Arial" panose="020B0604020202020204" pitchFamily="34" charset="0"/>
+              <a:buChar char="•"/>
+              <a:tabLst/>
+              <a:defRPr/>
+            </a:pPr>
+            <a:r>
+              <a:rPr lang="en-US" baseline="0" dirty="0" smtClean="0"/>
+              <a:t> http://kapdemo.chinaeast.cloudapp.chinacloudapi.cn:8080/</a:t>
+            </a:r>
+          </a:p>
+          <a:p>
+            <a:pPr marL="628650" marR="0" lvl="1" indent="-171450" algn="l" defTabSz="914400" rtl="0" eaLnBrk="1" fontAlgn="auto" latinLnBrk="0" hangingPunct="1">
+              <a:lnSpc>
+                <a:spcPct val="100000"/>
+              </a:lnSpc>
+              <a:spcBef>
+                <a:spcPts val="0"/>
+              </a:spcBef>
+              <a:spcAft>
+                <a:spcPts val="0"/>
+              </a:spcAft>
+              <a:buClrTx/>
+              <a:buSzTx/>
+              <a:buFont typeface="Arial" panose="020B0604020202020204" pitchFamily="34" charset="0"/>
+              <a:buChar char="•"/>
+              <a:tabLst/>
+              <a:defRPr/>
+            </a:pPr>
+            <a:r>
+              <a:rPr lang="en-US" baseline="0" dirty="0" smtClean="0"/>
+              <a:t>hub.kyligence.io/twitter-demo/twitter/</a:t>
+            </a:r>
+          </a:p>
+          <a:p>
+            <a:pPr marL="171450" indent="-171450">
+              <a:buFont typeface="Arial" panose="020B0604020202020204" pitchFamily="34" charset="0"/>
+              <a:buChar char="•"/>
+            </a:pPr>
+            <a:endParaRPr lang="en-US" baseline="0" dirty="0" smtClean="0"/>
+          </a:p>
+          <a:p>
+            <a:pPr marL="171450" indent="-171450">
+              <a:buFont typeface="Arial" panose="020B0604020202020204" pitchFamily="34" charset="0"/>
+              <a:buChar char="•"/>
+            </a:pPr>
             <a:endParaRPr lang="en-US" dirty="0"/>
           </a:p>
         </p:txBody>
@@ -2878,7 +3292,7 @@
           <a:p>
             <a:fld id="{38D4E298-9D69-489F-BB10-09F846943C05}" type="slidenum">
               <a:rPr lang="en-US" smtClean="0"/>
-              <a:t>9</a:t>
+              <a:t>6</a:t>
             </a:fld>
             <a:endParaRPr lang="en-US"/>
           </a:p>
@@ -2887,7 +3301,7 @@
     </p:spTree>
     <p:extLst>
       <p:ext uri="{BB962C8B-B14F-4D97-AF65-F5344CB8AC3E}">
-        <p14:creationId xmlns:p14="http://schemas.microsoft.com/office/powerpoint/2010/main" val="809100919"/>
+        <p14:creationId xmlns:p14="http://schemas.microsoft.com/office/powerpoint/2010/main" val="326341335"/>
       </p:ext>
     </p:extLst>
   </p:cSld>
@@ -2941,91 +3355,247 @@
           <a:bodyPr/>
           <a:lstStyle/>
           <a:p>
-            <a:r>
-              <a:rPr lang="en-US" baseline="0" dirty="0"/>
-              <a:t>A High Level Architecture for </a:t>
-            </a:r>
-            <a:r>
-              <a:rPr lang="en-US" baseline="0" dirty="0" err="1"/>
+            <a:pPr marL="0" indent="0">
+              <a:buFontTx/>
+              <a:buNone/>
+            </a:pPr>
+            <a:r>
+              <a:rPr lang="en-US" baseline="0" dirty="0" err="1" smtClean="0"/>
+              <a:t>Tenemos</a:t>
+            </a:r>
+            <a:r>
+              <a:rPr lang="en-US" baseline="0" dirty="0" smtClean="0"/>
+              <a:t> un DWH, E, Store: </a:t>
+            </a:r>
+            <a:r>
+              <a:rPr lang="en-US" baseline="0" dirty="0" err="1" smtClean="0"/>
+              <a:t>que</a:t>
+            </a:r>
+            <a:r>
+              <a:rPr lang="en-US" baseline="0" dirty="0" smtClean="0"/>
+              <a:t> </a:t>
+            </a:r>
+            <a:r>
+              <a:rPr lang="en-US" baseline="0" dirty="0" err="1" smtClean="0"/>
+              <a:t>hace</a:t>
+            </a:r>
+            <a:r>
+              <a:rPr lang="en-US" baseline="0" dirty="0" smtClean="0"/>
+              <a:t> </a:t>
+            </a:r>
+            <a:r>
+              <a:rPr lang="en-US" baseline="0" dirty="0" err="1" smtClean="0"/>
+              <a:t>cada</a:t>
+            </a:r>
+            <a:r>
+              <a:rPr lang="en-US" baseline="0" dirty="0" smtClean="0"/>
+              <a:t> </a:t>
+            </a:r>
+            <a:r>
+              <a:rPr lang="en-US" baseline="0" dirty="0" err="1" smtClean="0"/>
+              <a:t>caso</a:t>
+            </a:r>
+            <a:endParaRPr lang="en-US" baseline="0" dirty="0" smtClean="0"/>
+          </a:p>
+          <a:p>
+            <a:pPr marL="0" indent="0">
+              <a:buFontTx/>
+              <a:buNone/>
+            </a:pPr>
+            <a:r>
+              <a:rPr lang="en-US" baseline="0" dirty="0" err="1" smtClean="0"/>
               <a:t>Kylin</a:t>
             </a:r>
             <a:r>
-              <a:rPr lang="en-US" baseline="0" dirty="0"/>
-              <a:t> which is a Standard MOLAP Architecture built on Hadoop. </a:t>
-            </a:r>
-          </a:p>
-          <a:p>
-            <a:endParaRPr lang="en-US" baseline="0" dirty="0"/>
-          </a:p>
-          <a:p>
-            <a:pPr marL="171450" indent="-171450">
+              <a:rPr lang="en-US" baseline="0" dirty="0" smtClean="0"/>
+              <a:t> se </a:t>
+            </a:r>
+            <a:r>
+              <a:rPr lang="en-US" baseline="0" dirty="0" err="1" smtClean="0"/>
+              <a:t>puede</a:t>
+            </a:r>
+            <a:r>
+              <a:rPr lang="en-US" baseline="0" dirty="0" smtClean="0"/>
+              <a:t> </a:t>
+            </a:r>
+            <a:r>
+              <a:rPr lang="en-US" baseline="0" dirty="0" err="1" smtClean="0"/>
+              <a:t>ver</a:t>
+            </a:r>
+            <a:r>
+              <a:rPr lang="en-US" baseline="0" dirty="0" smtClean="0"/>
+              <a:t> </a:t>
+            </a:r>
+            <a:r>
+              <a:rPr lang="en-US" baseline="0" dirty="0" err="1" smtClean="0"/>
+              <a:t>como</a:t>
+            </a:r>
+            <a:r>
+              <a:rPr lang="en-US" baseline="0" dirty="0" smtClean="0"/>
+              <a:t> un </a:t>
+            </a:r>
+            <a:r>
+              <a:rPr lang="en-US" baseline="0" dirty="0" err="1" smtClean="0"/>
+              <a:t>coordinador</a:t>
+            </a:r>
+            <a:r>
+              <a:rPr lang="en-US" baseline="0" dirty="0" smtClean="0"/>
+              <a:t> de </a:t>
+            </a:r>
+            <a:r>
+              <a:rPr lang="en-US" baseline="0" dirty="0" err="1" smtClean="0"/>
+              <a:t>tecnologias</a:t>
+            </a:r>
+            <a:r>
+              <a:rPr lang="en-US" baseline="0" dirty="0" smtClean="0"/>
+              <a:t> </a:t>
+            </a:r>
+            <a:r>
+              <a:rPr lang="en-US" baseline="0" dirty="0" err="1" smtClean="0"/>
+              <a:t>ya</a:t>
+            </a:r>
+            <a:r>
+              <a:rPr lang="en-US" baseline="0" dirty="0" smtClean="0"/>
+              <a:t> </a:t>
+            </a:r>
+            <a:r>
+              <a:rPr lang="en-US" baseline="0" dirty="0" err="1" smtClean="0"/>
+              <a:t>existentes</a:t>
+            </a:r>
+            <a:endParaRPr lang="en-US" baseline="0" dirty="0" smtClean="0"/>
+          </a:p>
+          <a:p>
+            <a:pPr marL="0" indent="0">
               <a:buFontTx/>
-              <a:buChar char="-"/>
+              <a:buNone/>
             </a:pPr>
             <a:r>
-              <a:rPr lang="en-US" baseline="0" dirty="0"/>
-              <a:t>Data Sources to build your MOLAP Cubes primarily Hive, We have a fantastic project in the works for a Storage Abstraction Layer and support other </a:t>
-            </a:r>
-            <a:r>
-              <a:rPr lang="en-US" baseline="0" dirty="0" err="1"/>
-              <a:t>NoSQL</a:t>
-            </a:r>
-            <a:r>
-              <a:rPr lang="en-US" baseline="0" dirty="0"/>
-              <a:t> Stores such as Cassandra/</a:t>
-            </a:r>
-            <a:r>
-              <a:rPr lang="en-US" baseline="0" dirty="0" err="1"/>
-              <a:t>CouchBase</a:t>
-            </a:r>
-            <a:r>
-              <a:rPr lang="en-US" baseline="0" dirty="0"/>
-              <a:t>. </a:t>
-            </a:r>
-          </a:p>
-          <a:p>
-            <a:pPr marL="171450" indent="-171450">
+              <a:rPr lang="en-US" baseline="0" dirty="0" smtClean="0"/>
+              <a:t>Las </a:t>
+            </a:r>
+            <a:r>
+              <a:rPr lang="en-US" baseline="0" dirty="0" err="1" smtClean="0"/>
+              <a:t>tres</a:t>
+            </a:r>
+            <a:r>
+              <a:rPr lang="en-US" baseline="0" dirty="0" smtClean="0"/>
+              <a:t> son 100% </a:t>
+            </a:r>
+            <a:r>
+              <a:rPr lang="en-US" baseline="0" dirty="0" err="1" smtClean="0"/>
+              <a:t>escalables</a:t>
+            </a:r>
+            <a:r>
+              <a:rPr lang="en-US" baseline="0" dirty="0" smtClean="0"/>
+              <a:t> y HA</a:t>
+            </a:r>
+          </a:p>
+          <a:p>
+            <a:pPr marL="0" indent="0">
               <a:buFontTx/>
-              <a:buChar char="-"/>
+              <a:buNone/>
             </a:pPr>
             <a:r>
-              <a:rPr lang="en-US" baseline="0" dirty="0"/>
-              <a:t>An Engine Abstraction which maintains the Cube Metadata and a Cube Builder. Today a set of Map Reduce Jobs to build the cubes. </a:t>
-            </a:r>
-          </a:p>
-          <a:p>
-            <a:pPr marL="171450" indent="-171450">
+              <a:rPr lang="en-US" baseline="0" dirty="0" smtClean="0"/>
+              <a:t>El </a:t>
+            </a:r>
+            <a:r>
+              <a:rPr lang="en-US" baseline="0" dirty="0" err="1" smtClean="0"/>
+              <a:t>acceso</a:t>
+            </a:r>
+            <a:r>
+              <a:rPr lang="en-US" baseline="0" dirty="0" smtClean="0"/>
+              <a:t> al los </a:t>
+            </a:r>
+            <a:r>
+              <a:rPr lang="en-US" baseline="0" dirty="0" err="1" smtClean="0"/>
+              <a:t>datos</a:t>
+            </a:r>
+            <a:r>
+              <a:rPr lang="en-US" baseline="0" dirty="0" smtClean="0"/>
+              <a:t> </a:t>
+            </a:r>
+            <a:r>
+              <a:rPr lang="en-US" baseline="0" dirty="0" err="1" smtClean="0"/>
+              <a:t>es</a:t>
+            </a:r>
+            <a:r>
+              <a:rPr lang="en-US" baseline="0" dirty="0" smtClean="0"/>
+              <a:t> </a:t>
+            </a:r>
+            <a:r>
+              <a:rPr lang="en-US" baseline="0" dirty="0" err="1" smtClean="0"/>
+              <a:t>por</a:t>
+            </a:r>
+            <a:r>
+              <a:rPr lang="en-US" baseline="0" dirty="0" smtClean="0"/>
+              <a:t> SQL</a:t>
+            </a:r>
+          </a:p>
+          <a:p>
+            <a:pPr marL="0" indent="0">
               <a:buFontTx/>
-              <a:buChar char="-"/>
+              <a:buNone/>
             </a:pPr>
             <a:r>
-              <a:rPr lang="en-US" baseline="0" dirty="0"/>
-              <a:t>A storage layer to store the Cubes in </a:t>
-            </a:r>
-            <a:r>
-              <a:rPr lang="en-US" baseline="0" dirty="0" err="1"/>
-              <a:t>Hbase</a:t>
-            </a:r>
-            <a:r>
-              <a:rPr lang="en-US" baseline="0" dirty="0"/>
-              <a:t>, primarily through a Bulk Load of the </a:t>
-            </a:r>
-            <a:r>
-              <a:rPr lang="en-US" baseline="0" dirty="0" err="1"/>
-              <a:t>aggregrates</a:t>
-            </a:r>
-            <a:r>
-              <a:rPr lang="en-US" baseline="0" dirty="0"/>
-              <a:t> into </a:t>
-            </a:r>
-            <a:r>
-              <a:rPr lang="en-US" baseline="0" dirty="0" err="1"/>
-              <a:t>Hbase</a:t>
-            </a:r>
-            <a:r>
-              <a:rPr lang="en-US" baseline="0" dirty="0"/>
-              <a:t>. </a:t>
-            </a:r>
+              <a:rPr lang="en-US" baseline="0" dirty="0" smtClean="0"/>
+              <a:t>Se re-</a:t>
+            </a:r>
+            <a:r>
+              <a:rPr lang="en-US" baseline="0" dirty="0" err="1" smtClean="0"/>
+              <a:t>escribe</a:t>
+            </a:r>
+            <a:r>
+              <a:rPr lang="en-US" baseline="0" dirty="0" smtClean="0"/>
+              <a:t> con </a:t>
+            </a:r>
+            <a:r>
+              <a:rPr lang="en-US" baseline="0" dirty="0" err="1" smtClean="0"/>
+              <a:t>pluging</a:t>
+            </a:r>
+            <a:endParaRPr lang="en-US" baseline="0" dirty="0" smtClean="0"/>
+          </a:p>
+          <a:p>
+            <a:pPr marL="0" indent="0">
+              <a:buFontTx/>
+              <a:buNone/>
+            </a:pPr>
+            <a:r>
+              <a:rPr lang="en-US" baseline="0" dirty="0" err="1" smtClean="0"/>
+              <a:t>HBase</a:t>
+            </a:r>
+            <a:r>
+              <a:rPr lang="en-US" baseline="0" dirty="0" smtClean="0"/>
+              <a:t> </a:t>
+            </a:r>
+            <a:r>
+              <a:rPr lang="en-US" baseline="0" dirty="0" err="1" smtClean="0"/>
+              <a:t>devuelve</a:t>
+            </a:r>
+            <a:r>
+              <a:rPr lang="en-US" baseline="0" dirty="0" smtClean="0"/>
+              <a:t> 100K rows / </a:t>
+            </a:r>
+            <a:r>
+              <a:rPr lang="en-US" baseline="0" dirty="0" err="1" smtClean="0"/>
+              <a:t>nodo</a:t>
+            </a:r>
+            <a:r>
+              <a:rPr lang="en-US" baseline="0" dirty="0" smtClean="0"/>
+              <a:t> / </a:t>
+            </a:r>
+            <a:r>
+              <a:rPr lang="en-US" baseline="0" dirty="0" err="1" smtClean="0"/>
+              <a:t>segundo</a:t>
+            </a:r>
+            <a:endParaRPr lang="en-US" baseline="0" dirty="0" smtClean="0"/>
+          </a:p>
+          <a:p>
+            <a:pPr marL="0" indent="0">
+              <a:buFontTx/>
+              <a:buNone/>
+            </a:pPr>
+            <a:endParaRPr lang="en-US" baseline="0" dirty="0" smtClean="0"/>
           </a:p>
           <a:p>
             <a:pPr marL="0" indent="0">
@@ -3035,48 +3605,260 @@
             <a:endParaRPr lang="en-US" baseline="0" dirty="0"/>
           </a:p>
           <a:p>
-            <a:pPr marL="0" indent="0">
-              <a:buFontTx/>
-              <a:buNone/>
-            </a:pPr>
-            <a:r>
-              <a:rPr lang="en-US" baseline="0" dirty="0"/>
-              <a:t>We are looking for active community participation to build out additional Data Source, Engine and Storage plugins into </a:t>
-            </a:r>
-            <a:r>
-              <a:rPr lang="en-US" baseline="0" dirty="0" err="1"/>
-              <a:t>Kylin</a:t>
-            </a:r>
-            <a:r>
-              <a:rPr lang="en-US" baseline="0" dirty="0"/>
-              <a:t>. </a:t>
-            </a:r>
-          </a:p>
-          <a:p>
-            <a:pPr marL="0" indent="0">
-              <a:buFontTx/>
-              <a:buNone/>
-            </a:pPr>
             <a:endParaRPr lang="en-US" baseline="0" dirty="0"/>
           </a:p>
           <a:p>
-            <a:pPr marL="0" indent="0">
-              <a:buFontTx/>
-              <a:buNone/>
-            </a:pPr>
-            <a:r>
-              <a:rPr lang="en-US" baseline="0" dirty="0"/>
-              <a:t>A Query Engine that directly index into the multi-dimensional arrays built into </a:t>
-            </a:r>
-            <a:r>
-              <a:rPr lang="en-US" baseline="0" dirty="0" err="1"/>
-              <a:t>Hbase</a:t>
-            </a:r>
-            <a:r>
-              <a:rPr lang="en-US" baseline="0" dirty="0"/>
-              <a:t>. </a:t>
-            </a:r>
-          </a:p>
+            <a:endParaRPr lang="en-US" dirty="0"/>
+          </a:p>
+        </p:txBody>
+      </p:sp>
+      <p:sp>
+        <p:nvSpPr>
+          <p:cNvPr id="4" name="Slide Number Placeholder 3"/>
+          <p:cNvSpPr>
+            <a:spLocks noGrp="1"/>
+          </p:cNvSpPr>
+          <p:nvPr>
+            <p:ph type="sldNum" sz="quarter" idx="10"/>
+          </p:nvPr>
+        </p:nvSpPr>
+        <p:spPr/>
+        <p:txBody>
+          <a:bodyPr/>
+          <a:lstStyle/>
+          <a:p>
+            <a:fld id="{1D66D143-6DD5-4F10-BCBA-45D95521F2B5}" type="slidenum">
+              <a:rPr lang="zh-CN" altLang="en-US" smtClean="0"/>
+              <a:t>7</a:t>
+            </a:fld>
+            <a:endParaRPr lang="zh-CN" altLang="en-US"/>
+          </a:p>
+        </p:txBody>
+      </p:sp>
+    </p:spTree>
+    <p:extLst>
+      <p:ext uri="{BB962C8B-B14F-4D97-AF65-F5344CB8AC3E}">
+        <p14:creationId xmlns:p14="http://schemas.microsoft.com/office/powerpoint/2010/main" val="409872501"/>
+      </p:ext>
+    </p:extLst>
+  </p:cSld>
+  <p:clrMapOvr>
+    <a:masterClrMapping/>
+  </p:clrMapOvr>
+</p:notes>
+</file>
+
+<file path=ppt/notesSlides/notesSlide6.xml><?xml version="1.0" encoding="utf-8"?>
+<p:notes xmlns:a="http://schemas.openxmlformats.org/drawingml/2006/main" xmlns:r="http://schemas.openxmlformats.org/officeDocument/2006/relationships" xmlns:p="http://schemas.openxmlformats.org/presentationml/2006/main">
+  <p:cSld>
+    <p:spTree>
+      <p:nvGrpSpPr>
+        <p:cNvPr id="1" name=""/>
+        <p:cNvGrpSpPr/>
+        <p:nvPr/>
+      </p:nvGrpSpPr>
+      <p:grpSpPr>
+        <a:xfrm>
+          <a:off x="0" y="0"/>
+          <a:ext cx="0" cy="0"/>
+          <a:chOff x="0" y="0"/>
+          <a:chExt cx="0" cy="0"/>
+        </a:xfrm>
+      </p:grpSpPr>
+      <p:sp>
+        <p:nvSpPr>
+          <p:cNvPr id="2" name="Marcador de imagen de diapositiva 1"/>
+          <p:cNvSpPr>
+            <a:spLocks noGrp="1" noRot="1" noChangeAspect="1"/>
+          </p:cNvSpPr>
+          <p:nvPr>
+            <p:ph type="sldImg"/>
+          </p:nvPr>
+        </p:nvSpPr>
+        <p:spPr/>
+      </p:sp>
+      <p:sp>
+        <p:nvSpPr>
+          <p:cNvPr id="3" name="Marcador de notas 2"/>
+          <p:cNvSpPr>
+            <a:spLocks noGrp="1"/>
+          </p:cNvSpPr>
+          <p:nvPr>
+            <p:ph type="body" idx="1"/>
+          </p:nvPr>
+        </p:nvSpPr>
+        <p:spPr/>
+        <p:txBody>
+          <a:bodyPr/>
+          <a:lstStyle/>
+          <a:p>
+            <a:endParaRPr lang="en-US" dirty="0"/>
+          </a:p>
+        </p:txBody>
+      </p:sp>
+      <p:sp>
+        <p:nvSpPr>
+          <p:cNvPr id="4" name="Marcador de número de diapositiva 3"/>
+          <p:cNvSpPr>
+            <a:spLocks noGrp="1"/>
+          </p:cNvSpPr>
+          <p:nvPr>
+            <p:ph type="sldNum" sz="quarter" idx="10"/>
+          </p:nvPr>
+        </p:nvSpPr>
+        <p:spPr/>
+        <p:txBody>
+          <a:bodyPr/>
+          <a:lstStyle/>
+          <a:p>
+            <a:fld id="{38D4E298-9D69-489F-BB10-09F846943C05}" type="slidenum">
+              <a:rPr lang="en-US" smtClean="0"/>
+              <a:t>8</a:t>
+            </a:fld>
+            <a:endParaRPr lang="en-US"/>
+          </a:p>
+        </p:txBody>
+      </p:sp>
+    </p:spTree>
+    <p:extLst>
+      <p:ext uri="{BB962C8B-B14F-4D97-AF65-F5344CB8AC3E}">
+        <p14:creationId xmlns:p14="http://schemas.microsoft.com/office/powerpoint/2010/main" val="2171175041"/>
+      </p:ext>
+    </p:extLst>
+  </p:cSld>
+  <p:clrMapOvr>
+    <a:masterClrMapping/>
+  </p:clrMapOvr>
+</p:notes>
+</file>
+
+<file path=ppt/notesSlides/notesSlide7.xml><?xml version="1.0" encoding="utf-8"?>
+<p:notes xmlns:a="http://schemas.openxmlformats.org/drawingml/2006/main" xmlns:r="http://schemas.openxmlformats.org/officeDocument/2006/relationships" xmlns:p="http://schemas.openxmlformats.org/presentationml/2006/main">
+  <p:cSld>
+    <p:spTree>
+      <p:nvGrpSpPr>
+        <p:cNvPr id="1" name=""/>
+        <p:cNvGrpSpPr/>
+        <p:nvPr/>
+      </p:nvGrpSpPr>
+      <p:grpSpPr>
+        <a:xfrm>
+          <a:off x="0" y="0"/>
+          <a:ext cx="0" cy="0"/>
+          <a:chOff x="0" y="0"/>
+          <a:chExt cx="0" cy="0"/>
+        </a:xfrm>
+      </p:grpSpPr>
+      <p:sp>
+        <p:nvSpPr>
+          <p:cNvPr id="2" name="Marcador de imagen de diapositiva 1"/>
+          <p:cNvSpPr>
+            <a:spLocks noGrp="1" noRot="1" noChangeAspect="1"/>
+          </p:cNvSpPr>
+          <p:nvPr>
+            <p:ph type="sldImg"/>
+          </p:nvPr>
+        </p:nvSpPr>
+        <p:spPr/>
+      </p:sp>
+      <p:sp>
+        <p:nvSpPr>
+          <p:cNvPr id="3" name="Marcador de notas 2"/>
+          <p:cNvSpPr>
+            <a:spLocks noGrp="1"/>
+          </p:cNvSpPr>
+          <p:nvPr>
+            <p:ph type="body" idx="1"/>
+          </p:nvPr>
+        </p:nvSpPr>
+        <p:spPr/>
+        <p:txBody>
+          <a:bodyPr/>
+          <a:lstStyle/>
+          <a:p>
+            <a:endParaRPr lang="en-US" dirty="0"/>
+          </a:p>
+        </p:txBody>
+      </p:sp>
+      <p:sp>
+        <p:nvSpPr>
+          <p:cNvPr id="4" name="Marcador de número de diapositiva 3"/>
+          <p:cNvSpPr>
+            <a:spLocks noGrp="1"/>
+          </p:cNvSpPr>
+          <p:nvPr>
+            <p:ph type="sldNum" sz="quarter" idx="10"/>
+          </p:nvPr>
+        </p:nvSpPr>
+        <p:spPr/>
+        <p:txBody>
+          <a:bodyPr/>
+          <a:lstStyle/>
+          <a:p>
+            <a:fld id="{38D4E298-9D69-489F-BB10-09F846943C05}" type="slidenum">
+              <a:rPr lang="en-US" smtClean="0"/>
+              <a:t>9</a:t>
+            </a:fld>
+            <a:endParaRPr lang="en-US"/>
+          </a:p>
+        </p:txBody>
+      </p:sp>
+    </p:spTree>
+    <p:extLst>
+      <p:ext uri="{BB962C8B-B14F-4D97-AF65-F5344CB8AC3E}">
+        <p14:creationId xmlns:p14="http://schemas.microsoft.com/office/powerpoint/2010/main" val="809100919"/>
+      </p:ext>
+    </p:extLst>
+  </p:cSld>
+  <p:clrMapOvr>
+    <a:masterClrMapping/>
+  </p:clrMapOvr>
+</p:notes>
+</file>
+
+<file path=ppt/notesSlides/notesSlide8.xml><?xml version="1.0" encoding="utf-8"?>
+<p:notes xmlns:a="http://schemas.openxmlformats.org/drawingml/2006/main" xmlns:r="http://schemas.openxmlformats.org/officeDocument/2006/relationships" xmlns:p="http://schemas.openxmlformats.org/presentationml/2006/main">
+  <p:cSld>
+    <p:spTree>
+      <p:nvGrpSpPr>
+        <p:cNvPr id="1" name=""/>
+        <p:cNvGrpSpPr/>
+        <p:nvPr/>
+      </p:nvGrpSpPr>
+      <p:grpSpPr>
+        <a:xfrm>
+          <a:off x="0" y="0"/>
+          <a:ext cx="0" cy="0"/>
+          <a:chOff x="0" y="0"/>
+          <a:chExt cx="0" cy="0"/>
+        </a:xfrm>
+      </p:grpSpPr>
+      <p:sp>
+        <p:nvSpPr>
+          <p:cNvPr id="2" name="Slide Image Placeholder 1"/>
+          <p:cNvSpPr>
+            <a:spLocks noGrp="1" noRot="1" noChangeAspect="1"/>
+          </p:cNvSpPr>
+          <p:nvPr>
+            <p:ph type="sldImg"/>
+          </p:nvPr>
+        </p:nvSpPr>
+        <p:spPr/>
+      </p:sp>
+      <p:sp>
+        <p:nvSpPr>
+          <p:cNvPr id="3" name="Notes Placeholder 2"/>
+          <p:cNvSpPr>
+            <a:spLocks noGrp="1"/>
+          </p:cNvSpPr>
+          <p:nvPr>
+            <p:ph type="body" idx="1"/>
+          </p:nvPr>
+        </p:nvSpPr>
+        <p:spPr/>
+        <p:txBody>
+          <a:bodyPr/>
+          <a:lstStyle/>
           <a:p>
             <a:pPr marL="0" indent="0">
               <a:buFontTx/>
@@ -3204,7 +3986,7 @@
           <a:p>
             <a:fld id="{0CA240B2-DB73-834C-B211-55743F4EA9B7}" type="datetimeFigureOut">
               <a:rPr kumimoji="1" lang="zh-CN" altLang="en-US" smtClean="0"/>
-              <a:t>2017/6/12</a:t>
+              <a:t>2017/6/14</a:t>
             </a:fld>
             <a:endParaRPr kumimoji="1" lang="zh-CN" altLang="en-US" dirty="0"/>
           </a:p>
@@ -3552,7 +4334,7 @@
           <a:p>
             <a:fld id="{0CA240B2-DB73-834C-B211-55743F4EA9B7}" type="datetimeFigureOut">
               <a:rPr kumimoji="1" lang="zh-CN" altLang="en-US" smtClean="0"/>
-              <a:t>2017/6/12</a:t>
+              <a:t>2017/6/14</a:t>
             </a:fld>
             <a:endParaRPr kumimoji="1" lang="zh-CN" altLang="en-US"/>
           </a:p>
@@ -3722,7 +4504,7 @@
           <a:p>
             <a:fld id="{0CA240B2-DB73-834C-B211-55743F4EA9B7}" type="datetimeFigureOut">
               <a:rPr kumimoji="1" lang="zh-CN" altLang="en-US" smtClean="0"/>
-              <a:t>2017/6/12</a:t>
+              <a:t>2017/6/14</a:t>
             </a:fld>
             <a:endParaRPr kumimoji="1" lang="zh-CN" altLang="en-US"/>
           </a:p>
@@ -3902,7 +4684,7 @@
           <a:p>
             <a:fld id="{0CA240B2-DB73-834C-B211-55743F4EA9B7}" type="datetimeFigureOut">
               <a:rPr kumimoji="1" lang="zh-CN" altLang="en-US" smtClean="0"/>
-              <a:t>2017/6/12</a:t>
+              <a:t>2017/6/14</a:t>
             </a:fld>
             <a:endParaRPr kumimoji="1" lang="zh-CN" altLang="en-US"/>
           </a:p>
@@ -4830,7 +5612,7 @@
           <a:p>
             <a:fld id="{0CA240B2-DB73-834C-B211-55743F4EA9B7}" type="datetimeFigureOut">
               <a:rPr kumimoji="1" lang="zh-CN" altLang="en-US" smtClean="0"/>
-              <a:t>2017/6/12</a:t>
+              <a:t>2017/6/14</a:t>
             </a:fld>
             <a:endParaRPr kumimoji="1" lang="zh-CN" altLang="en-US"/>
           </a:p>
@@ -5007,7 +5789,7 @@
           <a:p>
             <a:fld id="{0CA240B2-DB73-834C-B211-55743F4EA9B7}" type="datetimeFigureOut">
               <a:rPr kumimoji="1" lang="zh-CN" altLang="en-US" smtClean="0"/>
-              <a:t>2017/6/12</a:t>
+              <a:t>2017/6/14</a:t>
             </a:fld>
             <a:endParaRPr kumimoji="1" lang="zh-CN" altLang="en-US"/>
           </a:p>
@@ -5253,7 +6035,7 @@
           <a:p>
             <a:fld id="{0CA240B2-DB73-834C-B211-55743F4EA9B7}" type="datetimeFigureOut">
               <a:rPr kumimoji="1" lang="zh-CN" altLang="en-US" smtClean="0"/>
-              <a:t>2017/6/12</a:t>
+              <a:t>2017/6/14</a:t>
             </a:fld>
             <a:endParaRPr kumimoji="1" lang="zh-CN" altLang="en-US"/>
           </a:p>
@@ -5485,7 +6267,7 @@
           <a:p>
             <a:fld id="{0CA240B2-DB73-834C-B211-55743F4EA9B7}" type="datetimeFigureOut">
               <a:rPr kumimoji="1" lang="zh-CN" altLang="en-US" smtClean="0"/>
-              <a:t>2017/6/12</a:t>
+              <a:t>2017/6/14</a:t>
             </a:fld>
             <a:endParaRPr kumimoji="1" lang="zh-CN" altLang="en-US"/>
           </a:p>
@@ -5852,7 +6634,7 @@
           <a:p>
             <a:fld id="{0CA240B2-DB73-834C-B211-55743F4EA9B7}" type="datetimeFigureOut">
               <a:rPr kumimoji="1" lang="zh-CN" altLang="en-US" smtClean="0"/>
-              <a:t>2017/6/12</a:t>
+              <a:t>2017/6/14</a:t>
             </a:fld>
             <a:endParaRPr kumimoji="1" lang="zh-CN" altLang="en-US"/>
           </a:p>
@@ -5970,7 +6752,7 @@
           <a:p>
             <a:fld id="{0CA240B2-DB73-834C-B211-55743F4EA9B7}" type="datetimeFigureOut">
               <a:rPr kumimoji="1" lang="zh-CN" altLang="en-US" smtClean="0"/>
-              <a:t>2017/6/12</a:t>
+              <a:t>2017/6/14</a:t>
             </a:fld>
             <a:endParaRPr kumimoji="1" lang="zh-CN" altLang="en-US"/>
           </a:p>
@@ -6065,7 +6847,7 @@
           <a:p>
             <a:fld id="{0CA240B2-DB73-834C-B211-55743F4EA9B7}" type="datetimeFigureOut">
               <a:rPr kumimoji="1" lang="zh-CN" altLang="en-US" smtClean="0"/>
-              <a:t>2017/6/12</a:t>
+              <a:t>2017/6/14</a:t>
             </a:fld>
             <a:endParaRPr kumimoji="1" lang="zh-CN" altLang="en-US"/>
           </a:p>
@@ -6342,7 +7124,7 @@
           <a:p>
             <a:fld id="{0CA240B2-DB73-834C-B211-55743F4EA9B7}" type="datetimeFigureOut">
               <a:rPr kumimoji="1" lang="zh-CN" altLang="en-US" smtClean="0"/>
-              <a:t>2017/6/12</a:t>
+              <a:t>2017/6/14</a:t>
             </a:fld>
             <a:endParaRPr kumimoji="1" lang="zh-CN" altLang="en-US"/>
           </a:p>
@@ -9760,15 +10542,7 @@
             </a:pPr>
             <a:r>
               <a:rPr lang="en-US" sz="2400" b="1" dirty="0" smtClean="0"/>
-              <a:t>Formed by </a:t>
-            </a:r>
-            <a:r>
-              <a:rPr lang="en-US" sz="2400" b="1" dirty="0" smtClean="0"/>
-              <a:t>the team </a:t>
-            </a:r>
-            <a:r>
-              <a:rPr lang="en-US" sz="2400" b="1" dirty="0" smtClean="0"/>
-              <a:t>who created</a:t>
+              <a:t>Formed by the team who created</a:t>
             </a:r>
           </a:p>
           <a:p>
@@ -9830,11 +10604,7 @@
             </a:pPr>
             <a:r>
               <a:rPr lang="en-US" sz="2400" b="1" dirty="0" smtClean="0"/>
-              <a:t>Offers </a:t>
-            </a:r>
-            <a:r>
-              <a:rPr lang="en-US" sz="2400" b="1" dirty="0" smtClean="0"/>
-              <a:t>support and training</a:t>
+              <a:t>Offers support and training</a:t>
             </a:r>
             <a:endParaRPr lang="es-ES" sz="2400" b="1" dirty="0"/>
           </a:p>
@@ -10275,29 +11045,7 @@
                 <a:ea typeface="宋体" charset="0"/>
                 <a:cs typeface="Microsoft Sans Serif" pitchFamily="34" charset="0"/>
               </a:rPr>
-              <a:t>2013 – </a:t>
-            </a:r>
-            <a:r>
-              <a:rPr lang="en-US" sz="2000" dirty="0" smtClean="0">
-                <a:solidFill>
-                  <a:schemeClr val="tx2"/>
-                </a:solidFill>
-                <a:latin typeface="+mj-lt"/>
-                <a:ea typeface="宋体" charset="0"/>
-                <a:cs typeface="Microsoft Sans Serif" pitchFamily="34" charset="0"/>
-              </a:rPr>
-              <a:t>Ebay</a:t>
-            </a:r>
-            <a:r>
-              <a:rPr lang="en-US" sz="2000" dirty="0" smtClean="0">
-                <a:solidFill>
-                  <a:schemeClr val="tx2"/>
-                </a:solidFill>
-                <a:latin typeface="+mj-lt"/>
-                <a:ea typeface="宋体" charset="0"/>
-                <a:cs typeface="Microsoft Sans Serif" pitchFamily="34" charset="0"/>
-              </a:rPr>
-              <a:t> start as internal project</a:t>
+              <a:t>2013 – Ebay start as internal project</a:t>
             </a:r>
           </a:p>
           <a:p>
@@ -11153,7 +11901,7 @@
           <p:nvPr/>
         </p:nvPicPr>
         <p:blipFill>
-          <a:blip r:embed="rId2"/>
+          <a:blip r:embed="rId3"/>
           <a:stretch>
             <a:fillRect/>
           </a:stretch>
@@ -11211,7 +11959,7 @@
           <p:nvPr/>
         </p:nvPicPr>
         <p:blipFill>
-          <a:blip r:embed="rId3"/>
+          <a:blip r:embed="rId4"/>
           <a:stretch>
             <a:fillRect/>
           </a:stretch>
@@ -11235,7 +11983,7 @@
           <p:nvPr/>
         </p:nvPicPr>
         <p:blipFill>
-          <a:blip r:embed="rId4"/>
+          <a:blip r:embed="rId5"/>
           <a:stretch>
             <a:fillRect/>
           </a:stretch>
@@ -11348,11 +12096,11 @@
   <p:clrMapOvr>
     <a:masterClrMapping/>
   </p:clrMapOvr>
-  <mc:AlternateContent xmlns:mc="http://schemas.openxmlformats.org/markup-compatibility/2006">
-    <mc:Choice xmlns:p14="http://schemas.microsoft.com/office/powerpoint/2010/main" Requires="p14">
+  <mc:AlternateContent xmlns:mc="http://schemas.openxmlformats.org/markup-compatibility/2006" xmlns:p14="http://schemas.microsoft.com/office/powerpoint/2010/main">
+    <mc:Choice Requires="p14">
       <p:transition p14:dur="10"/>
     </mc:Choice>
-    <mc:Fallback>
+    <mc:Fallback xmlns="">
       <p:transition/>
     </mc:Fallback>
   </mc:AlternateContent>
@@ -11574,6 +12322,50 @@
       </p:grpSpPr>
       <p:sp>
         <p:nvSpPr>
+          <p:cNvPr id="2" name="Redondear rectángulo de esquina del mismo lado 1"/>
+          <p:cNvSpPr/>
+          <p:nvPr/>
+        </p:nvSpPr>
+        <p:spPr>
+          <a:xfrm>
+            <a:off x="10242456" y="6312396"/>
+            <a:ext cx="1166191" cy="548399"/>
+          </a:xfrm>
+          <a:prstGeom prst="round2SameRect">
+            <a:avLst/>
+          </a:prstGeom>
+        </p:spPr>
+        <p:style>
+          <a:lnRef idx="2">
+            <a:schemeClr val="accent1">
+              <a:shade val="50000"/>
+            </a:schemeClr>
+          </a:lnRef>
+          <a:fillRef idx="1">
+            <a:schemeClr val="accent1"/>
+          </a:fillRef>
+          <a:effectRef idx="0">
+            <a:schemeClr val="accent1"/>
+          </a:effectRef>
+          <a:fontRef idx="minor">
+            <a:schemeClr val="lt1"/>
+          </a:fontRef>
+        </p:style>
+        <p:txBody>
+          <a:bodyPr rtlCol="0" anchor="ctr"/>
+          <a:lstStyle/>
+          <a:p>
+            <a:pPr algn="ctr"/>
+            <a:r>
+              <a:rPr lang="en-US" b="1" dirty="0" smtClean="0"/>
+              <a:t>Demo 1</a:t>
+            </a:r>
+            <a:endParaRPr lang="en-US" b="1" dirty="0"/>
+          </a:p>
+        </p:txBody>
+      </p:sp>
+      <p:sp>
+        <p:nvSpPr>
           <p:cNvPr id="3" name="Marcador de texto 2"/>
           <p:cNvSpPr>
             <a:spLocks noGrp="1"/>
@@ -11609,7 +12401,7 @@
           <p:nvPr/>
         </p:nvPicPr>
         <p:blipFill>
-          <a:blip r:embed="rId2"/>
+          <a:blip r:embed="rId3"/>
           <a:stretch>
             <a:fillRect/>
           </a:stretch>
@@ -12250,7 +13042,7 @@
         <p:spPr>
           <a:xfrm>
             <a:off x="8864600" y="1615702"/>
-            <a:ext cx="270164" cy="480953"/>
+            <a:ext cx="185907" cy="480953"/>
           </a:xfrm>
           <a:prstGeom prst="upArrow">
             <a:avLst/>
@@ -12290,7 +13082,7 @@
         <p:spPr>
           <a:xfrm>
             <a:off x="8889809" y="3130369"/>
-            <a:ext cx="270164" cy="480953"/>
+            <a:ext cx="160698" cy="480953"/>
           </a:xfrm>
           <a:prstGeom prst="upArrow">
             <a:avLst/>
@@ -12564,8 +13356,8 @@
         </p:nvSpPr>
         <p:spPr>
           <a:xfrm>
-            <a:off x="4507345" y="3962400"/>
-            <a:ext cx="582434" cy="249267"/>
+            <a:off x="4507345" y="3753877"/>
+            <a:ext cx="582434" cy="571719"/>
           </a:xfrm>
           <a:prstGeom prst="rightArrow">
             <a:avLst/>
@@ -12604,8 +13396,8 @@
         </p:nvSpPr>
         <p:spPr>
           <a:xfrm>
-            <a:off x="7437478" y="3962399"/>
-            <a:ext cx="582434" cy="249267"/>
+            <a:off x="7437478" y="3808789"/>
+            <a:ext cx="582434" cy="402877"/>
           </a:xfrm>
           <a:prstGeom prst="rightArrow">
             <a:avLst/>
@@ -14026,7 +14818,7 @@
         </p:xfrm>
         <a:graphic>
           <a:graphicData uri="http://schemas.openxmlformats.org/drawingml/2006/chart">
-            <c:chart xmlns:c="http://schemas.openxmlformats.org/drawingml/2006/chart" xmlns:r="http://schemas.openxmlformats.org/officeDocument/2006/relationships" r:id="rId2"/>
+            <c:chart xmlns:c="http://schemas.openxmlformats.org/drawingml/2006/chart" xmlns:r="http://schemas.openxmlformats.org/officeDocument/2006/relationships" r:id="rId3"/>
           </a:graphicData>
         </a:graphic>
       </p:graphicFrame>
@@ -14081,7 +14873,7 @@
             </a:r>
             <a:r>
               <a:rPr lang="en-US" i="1" dirty="0">
-                <a:hlinkClick r:id="rId3"/>
+                <a:hlinkClick r:id="rId4"/>
               </a:rPr>
               <a:t>Kylin TCPH</a:t>
             </a:r>
@@ -14411,15 +15203,7 @@
           <a:p>
             <a:r>
               <a:rPr lang="en-US" sz="2400" b="1" dirty="0" smtClean="0"/>
-              <a:t>With </a:t>
-            </a:r>
-            <a:r>
-              <a:rPr lang="en-US" sz="2400" b="1" dirty="0" smtClean="0"/>
-              <a:t>Apache </a:t>
-            </a:r>
-            <a:r>
-              <a:rPr lang="en-US" sz="2400" b="1" dirty="0" smtClean="0"/>
-              <a:t>Kylin:</a:t>
+              <a:t>With Apache Kylin:</a:t>
             </a:r>
           </a:p>
           <a:p>
@@ -14429,11 +15213,7 @@
             </a:pPr>
             <a:r>
               <a:rPr lang="en-US" sz="2800" dirty="0" smtClean="0"/>
-              <a:t>Most response </a:t>
-            </a:r>
-            <a:r>
-              <a:rPr lang="en-US" sz="2800" dirty="0" smtClean="0"/>
-              <a:t>time &lt; 1 sec</a:t>
+              <a:t>Most response time &lt; 1 sec</a:t>
             </a:r>
           </a:p>
           <a:p>
@@ -14463,15 +15243,7 @@
             </a:pPr>
             <a:r>
               <a:rPr lang="en-US" sz="2800" dirty="0" smtClean="0"/>
-              <a:t>Resolves queries using </a:t>
-            </a:r>
-            <a:r>
-              <a:rPr lang="en-US" sz="2800" dirty="0" smtClean="0"/>
-              <a:t>fewer </a:t>
-            </a:r>
-            <a:r>
-              <a:rPr lang="en-US" sz="2800" dirty="0" smtClean="0"/>
-              <a:t>hardware resources</a:t>
+              <a:t>Resolves queries using fewer hardware resources</a:t>
             </a:r>
           </a:p>
           <a:p>
@@ -14516,27 +15288,7 @@
                   </a:schemeClr>
                 </a:solidFill>
               </a:rPr>
-              <a:t>Can somebody</a:t>
-            </a:r>
-            <a:r>
-              <a:rPr lang="en-US" sz="4400" dirty="0" smtClean="0">
-                <a:solidFill>
-                  <a:schemeClr val="bg1">
-                    <a:lumMod val="50000"/>
-                  </a:schemeClr>
-                </a:solidFill>
-              </a:rPr>
-              <a:t> </a:t>
-            </a:r>
-            <a:r>
-              <a:rPr lang="en-US" sz="4400" dirty="0" smtClean="0">
-                <a:solidFill>
-                  <a:schemeClr val="bg1">
-                    <a:lumMod val="50000"/>
-                  </a:schemeClr>
-                </a:solidFill>
-              </a:rPr>
-              <a:t>can </a:t>
+              <a:t>Can somebody can </a:t>
             </a:r>
             <a:r>
               <a:rPr lang="en-US" sz="4400" dirty="0">
